--- a/artifacts/demo/AISquad_Gen AI Orchestrator for Email and Document Triage.pptx
+++ b/artifacts/demo/AISquad_Gen AI Orchestrator for Email and Document Triage.pptx
@@ -9,10 +9,11 @@
     <p:sldId id="257" r:id="rId3"/>
     <p:sldId id="258" r:id="rId4"/>
     <p:sldId id="259" r:id="rId5"/>
-    <p:sldId id="260" r:id="rId6"/>
-    <p:sldId id="261" r:id="rId7"/>
-    <p:sldId id="262" r:id="rId8"/>
-    <p:sldId id="263" r:id="rId9"/>
+    <p:sldId id="261" r:id="rId6"/>
+    <p:sldId id="264" r:id="rId7"/>
+    <p:sldId id="265" r:id="rId8"/>
+    <p:sldId id="262" r:id="rId9"/>
+    <p:sldId id="263" r:id="rId10"/>
   </p:sldIdLst>
   <p:sldSz cx="12192000" cy="6858000"/>
   <p:notesSz cx="6858000" cy="9144000"/>
@@ -118,19 +119,19 @@
           <p14:sldIdLst>
             <p14:sldId id="256"/>
             <p14:sldId id="257"/>
-          </p14:sldIdLst>
-        </p14:section>
-        <p14:section name="DEtails" id="{3EE67A1D-C978-4A1C-B986-02B8E1B266A7}">
-          <p14:sldIdLst>
             <p14:sldId id="258"/>
             <p14:sldId id="259"/>
-            <p14:sldId id="260"/>
             <p14:sldId id="261"/>
+            <p14:sldId id="264"/>
+            <p14:sldId id="265"/>
             <p14:sldId id="262"/>
             <p14:sldId id="263"/>
           </p14:sldIdLst>
         </p14:section>
       </p14:sectionLst>
+    </p:ext>
+    <p:ext uri="{EFAFB233-063F-42B5-8137-9DF3F51BA10A}">
+      <p15:sldGuideLst xmlns:p15="http://schemas.microsoft.com/office/powerpoint/2012/main"/>
     </p:ext>
   </p:extLst>
 </p:presentation>
@@ -3887,8 +3888,12 @@
           <a:lstStyle/>
           <a:p>
             <a:r>
+              <a:rPr lang="en-US" b="1" dirty="0"/>
+              <a:t>TEAM</a:t>
+            </a:r>
+            <a:r>
               <a:rPr lang="en-US" dirty="0"/>
-              <a:t>TEAM: AI SQUADS</a:t>
+              <a:t>: AI SQUADS</a:t>
             </a:r>
             <a:endParaRPr lang="en-IN" dirty="0"/>
           </a:p>
@@ -4088,33 +4093,205 @@
             <p:ph idx="1"/>
           </p:nvPr>
         </p:nvSpPr>
-        <p:spPr/>
-        <p:txBody>
-          <a:bodyPr/>
+        <p:spPr>
+          <a:xfrm>
+            <a:off x="1371600" y="1903445"/>
+            <a:ext cx="9601200" cy="3963955"/>
+          </a:xfrm>
+        </p:spPr>
+        <p:txBody>
+          <a:bodyPr>
+            <a:normAutofit fontScale="47500" lnSpcReduction="20000"/>
+          </a:bodyPr>
           <a:lstStyle/>
           <a:p>
-            <a:r>
-              <a:rPr lang="en-US" sz="2000" dirty="0"/>
-              <a:t>Organizations struggle with emails and document overload.</a:t>
-            </a:r>
-          </a:p>
-          <a:p>
-            <a:r>
-              <a:rPr lang="en-US" sz="2000" dirty="0"/>
-              <a:t>Manual triage based on context is slow, error-prone, and inefficient.</a:t>
-            </a:r>
-          </a:p>
-          <a:p>
-            <a:r>
-              <a:rPr lang="en-US" sz="2000" dirty="0"/>
-              <a:t>Existing solutions lack AI-driven intelligence and automation.</a:t>
-            </a:r>
-          </a:p>
-          <a:p>
-            <a:r>
-              <a:rPr lang="en-IN" dirty="0"/>
-              <a:t>Service tickets gets assigned to wrong teams due to incorrect sorting of emails</a:t>
-            </a:r>
+            <a:pPr>
+              <a:lnSpc>
+                <a:spcPts val="1425"/>
+              </a:lnSpc>
+              <a:buNone/>
+            </a:pPr>
+            <a:endParaRPr lang="en-US" sz="4400" dirty="0">
+              <a:latin typeface="+mj-lt"/>
+              <a:ea typeface="+mj-ea"/>
+              <a:cs typeface="+mj-cs"/>
+            </a:endParaRPr>
+          </a:p>
+          <a:p>
+            <a:pPr>
+              <a:lnSpc>
+                <a:spcPts val="1425"/>
+              </a:lnSpc>
+              <a:buNone/>
+            </a:pPr>
+            <a:r>
+              <a:rPr lang="en-US" sz="4400" dirty="0">
+                <a:latin typeface="+mj-lt"/>
+                <a:ea typeface="+mj-ea"/>
+                <a:cs typeface="+mj-cs"/>
+              </a:rPr>
+              <a:t>This AI-powered tool automates the triage and routing of emails and</a:t>
+            </a:r>
+          </a:p>
+          <a:p>
+            <a:pPr>
+              <a:lnSpc>
+                <a:spcPts val="1425"/>
+              </a:lnSpc>
+              <a:buNone/>
+            </a:pPr>
+            <a:r>
+              <a:rPr lang="en-US" sz="4400" dirty="0">
+                <a:latin typeface="+mj-lt"/>
+                <a:ea typeface="+mj-ea"/>
+                <a:cs typeface="+mj-cs"/>
+              </a:rPr>
+              <a:t>documents in financial systems.</a:t>
+            </a:r>
+          </a:p>
+          <a:p>
+            <a:pPr>
+              <a:lnSpc>
+                <a:spcPts val="1425"/>
+              </a:lnSpc>
+              <a:buNone/>
+            </a:pPr>
+            <a:r>
+              <a:rPr lang="en-US" sz="4400" dirty="0">
+                <a:latin typeface="+mj-lt"/>
+                <a:ea typeface="+mj-ea"/>
+                <a:cs typeface="+mj-cs"/>
+              </a:rPr>
+              <a:t> </a:t>
+            </a:r>
+          </a:p>
+          <a:p>
+            <a:pPr>
+              <a:lnSpc>
+                <a:spcPct val="89000"/>
+              </a:lnSpc>
+              <a:spcBef>
+                <a:spcPct val="0"/>
+              </a:spcBef>
+            </a:pPr>
+            <a:br>
+              <a:rPr lang="en-US" sz="4400" dirty="0">
+                <a:latin typeface="+mj-lt"/>
+                <a:ea typeface="+mj-ea"/>
+                <a:cs typeface="+mj-cs"/>
+              </a:rPr>
+            </a:br>
+            <a:r>
+              <a:rPr lang="en-US" sz="4400" dirty="0">
+                <a:latin typeface="+mj-lt"/>
+                <a:ea typeface="+mj-ea"/>
+                <a:cs typeface="+mj-cs"/>
+              </a:rPr>
+              <a:t>Extracts key financial data from unstructured content</a:t>
+            </a:r>
+          </a:p>
+          <a:p>
+            <a:pPr>
+              <a:lnSpc>
+                <a:spcPct val="89000"/>
+              </a:lnSpc>
+              <a:spcBef>
+                <a:spcPct val="0"/>
+              </a:spcBef>
+            </a:pPr>
+            <a:br>
+              <a:rPr lang="en-US" sz="4400" dirty="0">
+                <a:latin typeface="+mj-lt"/>
+                <a:ea typeface="+mj-ea"/>
+                <a:cs typeface="+mj-cs"/>
+              </a:rPr>
+            </a:br>
+            <a:r>
+              <a:rPr lang="en-US" sz="4400" dirty="0">
+                <a:latin typeface="+mj-lt"/>
+                <a:ea typeface="+mj-ea"/>
+                <a:cs typeface="+mj-cs"/>
+              </a:rPr>
+              <a:t>Classifies requests by type and urgency</a:t>
+            </a:r>
+          </a:p>
+          <a:p>
+            <a:pPr>
+              <a:lnSpc>
+                <a:spcPct val="89000"/>
+              </a:lnSpc>
+              <a:spcBef>
+                <a:spcPct val="0"/>
+              </a:spcBef>
+            </a:pPr>
+            <a:br>
+              <a:rPr lang="en-US" sz="4400" dirty="0">
+                <a:latin typeface="+mj-lt"/>
+                <a:ea typeface="+mj-ea"/>
+                <a:cs typeface="+mj-cs"/>
+              </a:rPr>
+            </a:br>
+            <a:r>
+              <a:rPr lang="en-US" sz="4400" dirty="0">
+                <a:latin typeface="+mj-lt"/>
+                <a:ea typeface="+mj-ea"/>
+                <a:cs typeface="+mj-cs"/>
+              </a:rPr>
+              <a:t>Detects and flags duplicate or redundant information</a:t>
+            </a:r>
+          </a:p>
+          <a:p>
+            <a:pPr>
+              <a:lnSpc>
+                <a:spcPct val="89000"/>
+              </a:lnSpc>
+              <a:spcBef>
+                <a:spcPct val="0"/>
+              </a:spcBef>
+            </a:pPr>
+            <a:br>
+              <a:rPr lang="en-US" sz="4400" dirty="0">
+                <a:latin typeface="+mj-lt"/>
+                <a:ea typeface="+mj-ea"/>
+                <a:cs typeface="+mj-cs"/>
+              </a:rPr>
+            </a:br>
+            <a:r>
+              <a:rPr lang="en-US" sz="4400" dirty="0">
+                <a:latin typeface="+mj-lt"/>
+                <a:ea typeface="+mj-ea"/>
+                <a:cs typeface="+mj-cs"/>
+              </a:rPr>
+              <a:t>Utilizes Mistral-7B for advanced text understanding and classification</a:t>
+            </a:r>
+          </a:p>
+          <a:p>
+            <a:pPr>
+              <a:lnSpc>
+                <a:spcPct val="89000"/>
+              </a:lnSpc>
+              <a:spcBef>
+                <a:spcPct val="0"/>
+              </a:spcBef>
+            </a:pPr>
+            <a:br>
+              <a:rPr lang="en-US" sz="4400" dirty="0">
+                <a:latin typeface="+mj-lt"/>
+                <a:ea typeface="+mj-ea"/>
+                <a:cs typeface="+mj-cs"/>
+              </a:rPr>
+            </a:br>
+            <a:r>
+              <a:rPr lang="en-US" sz="4400" dirty="0">
+                <a:latin typeface="+mj-lt"/>
+                <a:ea typeface="+mj-ea"/>
+                <a:cs typeface="+mj-cs"/>
+              </a:rPr>
+              <a:t>Helps streamline operations by integrating into existing document workflows</a:t>
+            </a:r>
+          </a:p>
+          <a:p>
+            <a:endParaRPr lang="en-IN" dirty="0"/>
           </a:p>
         </p:txBody>
       </p:sp>
@@ -4193,47 +4370,248 @@
             <p:ph idx="1"/>
           </p:nvPr>
         </p:nvSpPr>
-        <p:spPr/>
+        <p:spPr>
+          <a:xfrm>
+            <a:off x="1371600" y="2285999"/>
+            <a:ext cx="9601200" cy="4432041"/>
+          </a:xfrm>
+        </p:spPr>
         <p:txBody>
           <a:bodyPr/>
           <a:lstStyle/>
           <a:p>
             <a:r>
-              <a:rPr lang="en-IN" sz="2000" dirty="0"/>
-              <a:t>Objective: Extract structured financial data from documents (PDF, DOCX, EML) and emails</a:t>
-            </a:r>
-          </a:p>
-          <a:p>
-            <a:r>
-              <a:rPr lang="en-IN" sz="2000" dirty="0"/>
-              <a:t>Key Features:</a:t>
-            </a:r>
-          </a:p>
-          <a:p>
-            <a:r>
-              <a:rPr lang="en-IN" sz="2000" dirty="0"/>
-              <a:t>- Multi-format document support</a:t>
-            </a:r>
-          </a:p>
-          <a:p>
-            <a:r>
-              <a:rPr lang="en-IN" sz="2000" dirty="0"/>
-              <a:t>- Mistral-7B LLM for data extraction</a:t>
-            </a:r>
-          </a:p>
-          <a:p>
-            <a:r>
-              <a:rPr lang="en-IN" sz="2000" dirty="0"/>
-              <a:t>- JSON output formatting</a:t>
-            </a:r>
-          </a:p>
-          <a:p>
-            <a:r>
-              <a:rPr lang="en-IN" sz="2000" dirty="0"/>
-              <a:t>Use Cases: Banking, Loan Processing, Financial Audits</a:t>
-            </a:r>
-          </a:p>
-          <a:p>
+              <a:rPr lang="en-US" b="0" i="0" dirty="0">
+                <a:solidFill>
+                  <a:srgbClr val="202124"/>
+                </a:solidFill>
+                <a:effectLst/>
+                <a:latin typeface="Google Sans"/>
+              </a:rPr>
+              <a:t>Our solution leverages </a:t>
+            </a:r>
+            <a:r>
+              <a:rPr lang="en-US" b="1" i="0" dirty="0">
+                <a:solidFill>
+                  <a:srgbClr val="202124"/>
+                </a:solidFill>
+                <a:effectLst/>
+                <a:latin typeface="Google Sans"/>
+              </a:rPr>
+              <a:t>Generative AI </a:t>
+            </a:r>
+            <a:r>
+              <a:rPr lang="en-US" b="0" i="0" dirty="0">
+                <a:solidFill>
+                  <a:srgbClr val="202124"/>
+                </a:solidFill>
+                <a:effectLst/>
+                <a:latin typeface="Google Sans"/>
+              </a:rPr>
+              <a:t>to automate the extraction, classification, and routing of financial documents and emails. </a:t>
+            </a:r>
+          </a:p>
+          <a:p>
+            <a:r>
+              <a:rPr lang="en-US" b="0" i="0" dirty="0">
+                <a:solidFill>
+                  <a:srgbClr val="202124"/>
+                </a:solidFill>
+                <a:effectLst/>
+                <a:latin typeface="Google Sans"/>
+              </a:rPr>
+              <a:t>The approach is designed to handle unstructured content across multiple formats and convert it into structured, actionable insights, as per below steps: </a:t>
+            </a:r>
+          </a:p>
+          <a:p>
+            <a:pPr algn="l">
+              <a:buNone/>
+            </a:pPr>
+            <a:r>
+              <a:rPr lang="en-US" b="1" i="0" dirty="0">
+                <a:solidFill>
+                  <a:srgbClr val="222222"/>
+                </a:solidFill>
+                <a:effectLst/>
+                <a:latin typeface="Arial" panose="020B0604020202020204" pitchFamily="34" charset="0"/>
+              </a:rPr>
+              <a:t>1. Multi-Format Document Ingestion</a:t>
+            </a:r>
+          </a:p>
+          <a:p>
+            <a:pPr>
+              <a:buNone/>
+            </a:pPr>
+            <a:r>
+              <a:rPr lang="en-US" b="1" dirty="0">
+                <a:solidFill>
+                  <a:srgbClr val="222222"/>
+                </a:solidFill>
+                <a:latin typeface="Arial" panose="020B0604020202020204" pitchFamily="34" charset="0"/>
+              </a:rPr>
+              <a:t>2. </a:t>
+            </a:r>
+            <a:r>
+              <a:rPr lang="en-IN" b="1" i="0" dirty="0">
+                <a:solidFill>
+                  <a:srgbClr val="222222"/>
+                </a:solidFill>
+                <a:effectLst/>
+                <a:latin typeface="Arial" panose="020B0604020202020204" pitchFamily="34" charset="0"/>
+              </a:rPr>
+              <a:t>Text Extraction &amp; Preprocessing</a:t>
+            </a:r>
+          </a:p>
+          <a:p>
+            <a:pPr>
+              <a:buNone/>
+            </a:pPr>
+            <a:r>
+              <a:rPr lang="en-IN" b="1" dirty="0">
+                <a:solidFill>
+                  <a:srgbClr val="222222"/>
+                </a:solidFill>
+                <a:latin typeface="Arial" panose="020B0604020202020204" pitchFamily="34" charset="0"/>
+              </a:rPr>
+              <a:t>3. </a:t>
+            </a:r>
+            <a:r>
+              <a:rPr lang="it-IT" b="1" i="0" dirty="0">
+                <a:solidFill>
+                  <a:srgbClr val="222222"/>
+                </a:solidFill>
+                <a:effectLst/>
+                <a:latin typeface="Arial" panose="020B0604020202020204" pitchFamily="34" charset="0"/>
+              </a:rPr>
+              <a:t>Generative AI for Data Extraction</a:t>
+            </a:r>
+          </a:p>
+          <a:p>
+            <a:pPr>
+              <a:buNone/>
+            </a:pPr>
+            <a:r>
+              <a:rPr lang="en-IN" b="1" dirty="0">
+                <a:solidFill>
+                  <a:srgbClr val="222222"/>
+                </a:solidFill>
+                <a:latin typeface="Arial" panose="020B0604020202020204" pitchFamily="34" charset="0"/>
+              </a:rPr>
+              <a:t>4. </a:t>
+            </a:r>
+            <a:r>
+              <a:rPr lang="en-IN" b="1" i="0" dirty="0">
+                <a:solidFill>
+                  <a:srgbClr val="222222"/>
+                </a:solidFill>
+                <a:effectLst/>
+                <a:latin typeface="Arial" panose="020B0604020202020204" pitchFamily="34" charset="0"/>
+              </a:rPr>
+              <a:t>Request Type Classification</a:t>
+            </a:r>
+          </a:p>
+          <a:p>
+            <a:pPr>
+              <a:buNone/>
+            </a:pPr>
+            <a:r>
+              <a:rPr lang="en-IN" b="1" dirty="0">
+                <a:solidFill>
+                  <a:srgbClr val="222222"/>
+                </a:solidFill>
+                <a:latin typeface="Arial" panose="020B0604020202020204" pitchFamily="34" charset="0"/>
+              </a:rPr>
+              <a:t>5. </a:t>
+            </a:r>
+            <a:r>
+              <a:rPr lang="en-IN" b="1" i="0" dirty="0">
+                <a:solidFill>
+                  <a:srgbClr val="222222"/>
+                </a:solidFill>
+                <a:effectLst/>
+                <a:latin typeface="Arial" panose="020B0604020202020204" pitchFamily="34" charset="0"/>
+              </a:rPr>
+              <a:t>Structured Output Generation</a:t>
+            </a:r>
+          </a:p>
+          <a:p>
+            <a:pPr>
+              <a:buNone/>
+            </a:pPr>
+            <a:endParaRPr lang="en-IN" b="1" i="0" dirty="0">
+              <a:solidFill>
+                <a:srgbClr val="222222"/>
+              </a:solidFill>
+              <a:effectLst/>
+              <a:latin typeface="Arial" panose="020B0604020202020204" pitchFamily="34" charset="0"/>
+            </a:endParaRPr>
+          </a:p>
+          <a:p>
+            <a:pPr>
+              <a:buNone/>
+            </a:pPr>
+            <a:endParaRPr lang="en-IN" b="1" i="0" dirty="0">
+              <a:solidFill>
+                <a:srgbClr val="222222"/>
+              </a:solidFill>
+              <a:effectLst/>
+              <a:latin typeface="Arial" panose="020B0604020202020204" pitchFamily="34" charset="0"/>
+            </a:endParaRPr>
+          </a:p>
+          <a:p>
+            <a:pPr algn="l">
+              <a:buNone/>
+            </a:pPr>
+            <a:endParaRPr lang="en-US" b="1" i="0" dirty="0">
+              <a:solidFill>
+                <a:srgbClr val="222222"/>
+              </a:solidFill>
+              <a:effectLst/>
+              <a:latin typeface="Arial" panose="020B0604020202020204" pitchFamily="34" charset="0"/>
+            </a:endParaRPr>
+          </a:p>
+          <a:p>
+            <a:pPr marL="0" indent="0" algn="l">
+              <a:buNone/>
+            </a:pPr>
+            <a:endParaRPr lang="en-US" b="0" i="0" dirty="0">
+              <a:solidFill>
+                <a:srgbClr val="222222"/>
+              </a:solidFill>
+              <a:effectLst/>
+              <a:latin typeface="Arial" panose="020B0604020202020204" pitchFamily="34" charset="0"/>
+            </a:endParaRPr>
+          </a:p>
+          <a:p>
+            <a:pPr algn="l">
+              <a:buFont typeface="Arial" panose="020B0604020202020204" pitchFamily="34" charset="0"/>
+              <a:buChar char="•"/>
+            </a:pPr>
+            <a:endParaRPr lang="en-US" b="0" i="0" dirty="0">
+              <a:solidFill>
+                <a:srgbClr val="222222"/>
+              </a:solidFill>
+              <a:effectLst/>
+              <a:latin typeface="Arial" panose="020B0604020202020204" pitchFamily="34" charset="0"/>
+            </a:endParaRPr>
+          </a:p>
+          <a:p>
+            <a:pPr algn="l">
+              <a:buFont typeface="Arial" panose="020B0604020202020204" pitchFamily="34" charset="0"/>
+              <a:buChar char="•"/>
+            </a:pPr>
+            <a:endParaRPr lang="en-US" b="0" i="0" dirty="0">
+              <a:solidFill>
+                <a:srgbClr val="222222"/>
+              </a:solidFill>
+              <a:effectLst/>
+              <a:latin typeface="Arial" panose="020B0604020202020204" pitchFamily="34" charset="0"/>
+            </a:endParaRPr>
+          </a:p>
+          <a:p>
+            <a:pPr marL="0" indent="0">
+              <a:buNone/>
+            </a:pPr>
             <a:endParaRPr lang="en-IN" dirty="0"/>
           </a:p>
         </p:txBody>
@@ -4273,7 +4651,7 @@
           <p:cNvPr id="2" name="Title 1">
             <a:extLst>
               <a:ext uri="{FF2B5EF4-FFF2-40B4-BE49-F238E27FC236}">
-                <a16:creationId xmlns:a16="http://schemas.microsoft.com/office/drawing/2014/main" id="{28934DB5-AF79-17B2-AD9D-22CE2B84F9B7}"/>
+                <a16:creationId xmlns:a16="http://schemas.microsoft.com/office/drawing/2014/main" id="{9D0AD16B-E67D-02C4-8B56-E9A740C7AC13}"/>
               </a:ext>
             </a:extLst>
           </p:cNvPr>
@@ -4291,86 +4669,45 @@
           <a:p>
             <a:r>
               <a:rPr lang="en-US" dirty="0"/>
-              <a:t>Overview</a:t>
+              <a:t>Design Architecture</a:t>
             </a:r>
             <a:endParaRPr lang="en-IN" dirty="0"/>
           </a:p>
         </p:txBody>
       </p:sp>
-      <p:sp>
-        <p:nvSpPr>
-          <p:cNvPr id="3" name="Content Placeholder 2">
+      <p:pic>
+        <p:nvPicPr>
+          <p:cNvPr id="4" name="Content Placeholder 4">
             <a:extLst>
               <a:ext uri="{FF2B5EF4-FFF2-40B4-BE49-F238E27FC236}">
-                <a16:creationId xmlns:a16="http://schemas.microsoft.com/office/drawing/2014/main" id="{AA8EB3A8-4154-07E6-C614-0E4773E9C154}"/>
+                <a16:creationId xmlns:a16="http://schemas.microsoft.com/office/drawing/2014/main" id="{6D20FCCE-0F07-46FB-F4E5-C9BDFEE01A85}"/>
               </a:ext>
             </a:extLst>
           </p:cNvPr>
-          <p:cNvSpPr>
-            <a:spLocks noGrp="1"/>
-          </p:cNvSpPr>
+          <p:cNvPicPr>
+            <a:picLocks noGrp="1" noChangeAspect="1"/>
+          </p:cNvPicPr>
           <p:nvPr>
             <p:ph idx="1"/>
           </p:nvPr>
-        </p:nvSpPr>
-        <p:spPr/>
-        <p:txBody>
-          <a:bodyPr/>
-          <a:lstStyle/>
-          <a:p>
-            <a:pPr marL="0" indent="0">
-              <a:buNone/>
-            </a:pPr>
-            <a:r>
-              <a:rPr lang="en-US" sz="2000" dirty="0"/>
-              <a:t>Benefits </a:t>
-            </a:r>
-          </a:p>
-          <a:p>
-            <a:pPr marL="0" indent="0">
-              <a:buNone/>
-            </a:pPr>
-            <a:r>
-              <a:rPr lang="en-US" sz="2000" dirty="0"/>
-              <a:t> - Automates email and document triage.</a:t>
-            </a:r>
-          </a:p>
-          <a:p>
-            <a:pPr marL="0" indent="0">
-              <a:buNone/>
-            </a:pPr>
-            <a:r>
-              <a:rPr lang="en-US" sz="2000" dirty="0"/>
-              <a:t> - Seamlessly integrates with existing workflows.</a:t>
-            </a:r>
-          </a:p>
-          <a:p>
-            <a:pPr marL="0" indent="0">
-              <a:buNone/>
-            </a:pPr>
-            <a:r>
-              <a:rPr lang="en-US" sz="2000" dirty="0"/>
-              <a:t>- Automates responses or routes to the right team.</a:t>
-            </a:r>
-          </a:p>
-          <a:p>
-            <a:pPr marL="0" indent="0">
-              <a:buNone/>
-            </a:pPr>
-            <a:r>
-              <a:rPr lang="en-US" sz="2000" dirty="0"/>
-              <a:t>-  Continuously learns and improves over time</a:t>
-            </a:r>
-          </a:p>
-          <a:p>
-            <a:endParaRPr lang="en-IN" dirty="0"/>
-          </a:p>
-        </p:txBody>
-      </p:sp>
+        </p:nvPicPr>
+        <p:blipFill>
+          <a:blip r:embed="rId2"/>
+          <a:stretch>
+            <a:fillRect/>
+          </a:stretch>
+        </p:blipFill>
+        <p:spPr>
+          <a:xfrm>
+            <a:off x="3268036" y="2286000"/>
+            <a:ext cx="5808327" cy="3581400"/>
+          </a:xfrm>
+        </p:spPr>
+      </p:pic>
     </p:spTree>
     <p:extLst>
       <p:ext uri="{BB962C8B-B14F-4D97-AF65-F5344CB8AC3E}">
-        <p14:creationId xmlns:p14="http://schemas.microsoft.com/office/powerpoint/2010/main" val="1221549155"/>
+        <p14:creationId xmlns:p14="http://schemas.microsoft.com/office/powerpoint/2010/main" val="931364138"/>
       </p:ext>
     </p:extLst>
   </p:cSld>
@@ -4402,7 +4739,7 @@
           <p:cNvPr id="2" name="Title 1">
             <a:extLst>
               <a:ext uri="{FF2B5EF4-FFF2-40B4-BE49-F238E27FC236}">
-                <a16:creationId xmlns:a16="http://schemas.microsoft.com/office/drawing/2014/main" id="{9D0AD16B-E67D-02C4-8B56-E9A740C7AC13}"/>
+                <a16:creationId xmlns:a16="http://schemas.microsoft.com/office/drawing/2014/main" id="{8ADC64E2-8768-F238-C568-8F1808B7ADC8}"/>
               </a:ext>
             </a:extLst>
           </p:cNvPr>
@@ -4419,9 +4756,24 @@
           <a:lstStyle/>
           <a:p>
             <a:r>
-              <a:rPr lang="en-US" dirty="0"/>
-              <a:t>Design Architecture</a:t>
-            </a:r>
+              <a:rPr lang="en-IN" b="0" i="0" dirty="0">
+                <a:solidFill>
+                  <a:srgbClr val="202124"/>
+                </a:solidFill>
+                <a:effectLst/>
+                <a:latin typeface="Google Sans"/>
+              </a:rPr>
+              <a:t>Sample Input &amp; Output </a:t>
+            </a:r>
+            <a:br>
+              <a:rPr lang="en-IN" b="0" i="0" dirty="0">
+                <a:solidFill>
+                  <a:srgbClr val="202124"/>
+                </a:solidFill>
+                <a:effectLst/>
+                <a:latin typeface="Google Sans"/>
+              </a:rPr>
+            </a:br>
             <a:endParaRPr lang="en-IN" dirty="0"/>
           </a:p>
         </p:txBody>
@@ -4431,7 +4783,7 @@
           <p:cNvPr id="3" name="Content Placeholder 2">
             <a:extLst>
               <a:ext uri="{FF2B5EF4-FFF2-40B4-BE49-F238E27FC236}">
-                <a16:creationId xmlns:a16="http://schemas.microsoft.com/office/drawing/2014/main" id="{F185FA83-98D9-B016-610D-783753CB24A8}"/>
+                <a16:creationId xmlns:a16="http://schemas.microsoft.com/office/drawing/2014/main" id="{61C88473-BB19-2EC0-B02C-D9FBF5FE7F33}"/>
               </a:ext>
             </a:extLst>
           </p:cNvPr>
@@ -4447,50 +4799,130 @@
           <a:bodyPr/>
           <a:lstStyle/>
           <a:p>
+            <a:r>
+              <a:rPr lang="en-IN" b="1" i="0" dirty="0">
+                <a:solidFill>
+                  <a:srgbClr val="202124"/>
+                </a:solidFill>
+                <a:effectLst/>
+                <a:latin typeface="Google Sans"/>
+              </a:rPr>
+              <a:t>Sample Input: </a:t>
+            </a:r>
+            <a:r>
+              <a:rPr lang="en-IN" b="0" i="0" dirty="0">
+                <a:solidFill>
+                  <a:srgbClr val="202124"/>
+                </a:solidFill>
+                <a:effectLst/>
+                <a:latin typeface="Google Sans"/>
+              </a:rPr>
+              <a:t>PDF with fields like: Bank Name: ABC Bank Adjustment Amount: ₹1,20,000 </a:t>
+            </a:r>
+          </a:p>
+          <a:p>
+            <a:r>
+              <a:rPr lang="en-IN" b="1" i="0" dirty="0">
+                <a:solidFill>
+                  <a:srgbClr val="202124"/>
+                </a:solidFill>
+                <a:effectLst/>
+                <a:latin typeface="Google Sans"/>
+              </a:rPr>
+              <a:t>Sample Output (JSON): </a:t>
+            </a:r>
+            <a:r>
+              <a:rPr lang="en-IN" b="0" i="0" dirty="0" err="1">
+                <a:solidFill>
+                  <a:srgbClr val="202124"/>
+                </a:solidFill>
+                <a:effectLst/>
+                <a:latin typeface="Google Sans"/>
+              </a:rPr>
+              <a:t>json</a:t>
+            </a:r>
+            <a:endParaRPr lang="en-IN" b="0" i="0" dirty="0">
+              <a:solidFill>
+                <a:srgbClr val="202124"/>
+              </a:solidFill>
+              <a:effectLst/>
+              <a:latin typeface="Google Sans"/>
+            </a:endParaRPr>
+          </a:p>
+          <a:p>
             <a:pPr marL="0" indent="0">
               <a:buNone/>
             </a:pPr>
             <a:r>
-              <a:rPr lang="en-US" sz="2000" dirty="0"/>
-              <a:t>Diagram with 3 components:    </a:t>
-            </a:r>
-          </a:p>
-          <a:p>
-            <a:pPr marL="514350" indent="-514350">
-              <a:buAutoNum type="arabicPeriod"/>
+              <a:rPr lang="en-IN" b="0" i="0" dirty="0">
+                <a:solidFill>
+                  <a:srgbClr val="202124"/>
+                </a:solidFill>
+                <a:effectLst/>
+                <a:latin typeface="Google Sans"/>
+              </a:rPr>
+              <a:t>{ </a:t>
+            </a:r>
+          </a:p>
+          <a:p>
+            <a:pPr marL="0" indent="0">
+              <a:buNone/>
             </a:pPr>
             <a:r>
-              <a:rPr lang="en-US" sz="2000" dirty="0"/>
-              <a:t>Document Parser (</a:t>
-            </a:r>
-            <a:r>
-              <a:rPr lang="en-US" sz="2000" dirty="0" err="1"/>
-              <a:t>PyMuPDF</a:t>
-            </a:r>
-            <a:r>
-              <a:rPr lang="en-US" sz="2000" dirty="0"/>
-              <a:t>, python-docx, extract-msg)    </a:t>
-            </a:r>
-          </a:p>
-          <a:p>
-            <a:pPr marL="514350" indent="-514350">
-              <a:buAutoNum type="arabicPeriod"/>
+              <a:rPr lang="en-IN" b="0" i="0" dirty="0">
+                <a:solidFill>
+                  <a:srgbClr val="202124"/>
+                </a:solidFill>
+                <a:effectLst/>
+                <a:latin typeface="Google Sans"/>
+              </a:rPr>
+              <a:t>"Request Type": "Adjustment",</a:t>
+            </a:r>
+          </a:p>
+          <a:p>
+            <a:pPr marL="0" indent="0">
+              <a:buNone/>
             </a:pPr>
             <a:r>
-              <a:rPr lang="en-US" sz="2000" dirty="0"/>
-              <a:t>Mistral-7B LLM (Hugging Face)    </a:t>
-            </a:r>
-          </a:p>
-          <a:p>
-            <a:pPr marL="514350" indent="-514350">
-              <a:buAutoNum type="arabicPeriod"/>
+              <a:rPr lang="en-IN" b="0" i="0" dirty="0">
+                <a:solidFill>
+                  <a:srgbClr val="202124"/>
+                </a:solidFill>
+                <a:effectLst/>
+                <a:latin typeface="Google Sans"/>
+              </a:rPr>
+              <a:t> "Sub Request Type": "—", </a:t>
+            </a:r>
+          </a:p>
+          <a:p>
+            <a:pPr marL="0" indent="0">
+              <a:buNone/>
             </a:pPr>
             <a:r>
-              <a:rPr lang="en-US" sz="2000" dirty="0"/>
-              <a:t>JSON Formatter  - Flow: Documents → Text Extraction → LLM Processing → Structured JSON</a:t>
-            </a:r>
-          </a:p>
-          <a:p>
+              <a:rPr lang="en-IN" b="0" i="0" dirty="0">
+                <a:solidFill>
+                  <a:srgbClr val="202124"/>
+                </a:solidFill>
+                <a:effectLst/>
+                <a:latin typeface="Google Sans"/>
+              </a:rPr>
+              <a:t>"Confidence Score": 1.0 </a:t>
+            </a:r>
+          </a:p>
+          <a:p>
+            <a:pPr marL="0" indent="0">
+              <a:buNone/>
+            </a:pPr>
+            <a:r>
+              <a:rPr lang="en-IN" b="0" i="0" dirty="0">
+                <a:solidFill>
+                  <a:srgbClr val="202124"/>
+                </a:solidFill>
+                <a:effectLst/>
+                <a:latin typeface="Google Sans"/>
+              </a:rPr>
+              <a:t>}</a:t>
+            </a:r>
             <a:endParaRPr lang="en-IN" dirty="0"/>
           </a:p>
         </p:txBody>
@@ -4498,7 +4930,7 @@
     </p:spTree>
     <p:extLst>
       <p:ext uri="{BB962C8B-B14F-4D97-AF65-F5344CB8AC3E}">
-        <p14:creationId xmlns:p14="http://schemas.microsoft.com/office/powerpoint/2010/main" val="931364138"/>
+        <p14:creationId xmlns:p14="http://schemas.microsoft.com/office/powerpoint/2010/main" val="3123796661"/>
       </p:ext>
     </p:extLst>
   </p:cSld>
@@ -4530,7 +4962,7 @@
           <p:cNvPr id="2" name="Title 1">
             <a:extLst>
               <a:ext uri="{FF2B5EF4-FFF2-40B4-BE49-F238E27FC236}">
-                <a16:creationId xmlns:a16="http://schemas.microsoft.com/office/drawing/2014/main" id="{A5BABFCB-0FD5-A5EC-62D7-C08466D77728}"/>
+                <a16:creationId xmlns:a16="http://schemas.microsoft.com/office/drawing/2014/main" id="{4E0234E1-3BBE-794F-0E0B-89BB5D3F6753}"/>
               </a:ext>
             </a:extLst>
           </p:cNvPr>
@@ -4548,7 +4980,7 @@
           <a:p>
             <a:r>
               <a:rPr lang="en-US" dirty="0"/>
-              <a:t>Technologies Used</a:t>
+              <a:t>How to Run</a:t>
             </a:r>
             <a:endParaRPr lang="en-IN" dirty="0"/>
           </a:p>
@@ -4559,7 +4991,7 @@
           <p:cNvPr id="3" name="Content Placeholder 2">
             <a:extLst>
               <a:ext uri="{FF2B5EF4-FFF2-40B4-BE49-F238E27FC236}">
-                <a16:creationId xmlns:a16="http://schemas.microsoft.com/office/drawing/2014/main" id="{27E7D342-AA97-BE59-95DF-C8D9B4964EE9}"/>
+                <a16:creationId xmlns:a16="http://schemas.microsoft.com/office/drawing/2014/main" id="{505F6840-E11B-45A1-9BAA-AE3A2104A8B9}"/>
               </a:ext>
             </a:extLst>
           </p:cNvPr>
@@ -4576,49 +5008,51 @@
           <a:lstStyle/>
           <a:p>
             <a:r>
-              <a:rPr lang="en-IN" sz="2000" dirty="0"/>
-              <a:t>Mistral-7B Instruct Model (Optimized with 4-bit Quantization)</a:t>
-            </a:r>
-          </a:p>
-          <a:p>
-            <a:r>
-              <a:rPr lang="en-IN" sz="2000" dirty="0"/>
-              <a:t>Python Libraries:</a:t>
-            </a:r>
-          </a:p>
-          <a:p>
-            <a:r>
-              <a:rPr lang="en-IN" sz="2000" dirty="0"/>
-              <a:t>- </a:t>
-            </a:r>
-            <a:r>
-              <a:rPr lang="en-IN" sz="2000" dirty="0" err="1"/>
-              <a:t>PyTorch</a:t>
-            </a:r>
-            <a:r>
-              <a:rPr lang="en-IN" sz="2000" dirty="0"/>
-              <a:t> (GPU acceleration)</a:t>
-            </a:r>
-          </a:p>
-          <a:p>
-            <a:r>
-              <a:rPr lang="en-IN" sz="2000" dirty="0"/>
-              <a:t>- Transformers (Hugging Face)</a:t>
-            </a:r>
-          </a:p>
-          <a:p>
-            <a:r>
-              <a:rPr lang="en-IN" sz="2000" dirty="0"/>
-              <a:t>- Document parsing libraries</a:t>
-            </a:r>
-          </a:p>
-          <a:p>
-            <a:r>
-              <a:rPr lang="en-IN" sz="2000" dirty="0"/>
-              <a:t>Spyder IDE (Development Environment)</a:t>
-            </a:r>
-          </a:p>
-          <a:p>
+              <a:rPr lang="en-IN" b="0" i="0" dirty="0">
+                <a:solidFill>
+                  <a:srgbClr val="202124"/>
+                </a:solidFill>
+                <a:effectLst/>
+                <a:latin typeface="Google Sans"/>
+              </a:rPr>
+              <a:t>Place samples files into Input/ folder </a:t>
+            </a:r>
+          </a:p>
+          <a:p>
+            <a:r>
+              <a:rPr lang="en-IN" b="0" i="0" dirty="0">
+                <a:solidFill>
+                  <a:srgbClr val="202124"/>
+                </a:solidFill>
+                <a:effectLst/>
+                <a:latin typeface="Google Sans"/>
+              </a:rPr>
+              <a:t>Run: python script: main.py </a:t>
+            </a:r>
+          </a:p>
+          <a:p>
+            <a:r>
+              <a:rPr lang="en-IN" b="0" i="0" dirty="0">
+                <a:solidFill>
+                  <a:srgbClr val="202124"/>
+                </a:solidFill>
+                <a:effectLst/>
+                <a:latin typeface="Google Sans"/>
+              </a:rPr>
+              <a:t>JSON output saved in Output/ folder </a:t>
+            </a:r>
+          </a:p>
+          <a:p>
+            <a:r>
+              <a:rPr lang="en-IN" b="0" i="0" dirty="0">
+                <a:solidFill>
+                  <a:srgbClr val="202124"/>
+                </a:solidFill>
+                <a:effectLst/>
+                <a:latin typeface="Google Sans"/>
+              </a:rPr>
+              <a:t>Log file: processing.log</a:t>
+            </a:r>
             <a:endParaRPr lang="en-IN" dirty="0"/>
           </a:p>
         </p:txBody>
@@ -4626,7 +5060,7 @@
     </p:spTree>
     <p:extLst>
       <p:ext uri="{BB962C8B-B14F-4D97-AF65-F5344CB8AC3E}">
-        <p14:creationId xmlns:p14="http://schemas.microsoft.com/office/powerpoint/2010/main" val="3808818951"/>
+        <p14:creationId xmlns:p14="http://schemas.microsoft.com/office/powerpoint/2010/main" val="626540293"/>
       </p:ext>
     </p:extLst>
   </p:cSld>
@@ -4655,6 +5089,153 @@
       </p:grpSpPr>
       <p:sp>
         <p:nvSpPr>
+          <p:cNvPr id="2" name="Title 1">
+            <a:extLst>
+              <a:ext uri="{FF2B5EF4-FFF2-40B4-BE49-F238E27FC236}">
+                <a16:creationId xmlns:a16="http://schemas.microsoft.com/office/drawing/2014/main" id="{A5BABFCB-0FD5-A5EC-62D7-C08466D77728}"/>
+              </a:ext>
+            </a:extLst>
+          </p:cNvPr>
+          <p:cNvSpPr>
+            <a:spLocks noGrp="1"/>
+          </p:cNvSpPr>
+          <p:nvPr>
+            <p:ph type="title"/>
+          </p:nvPr>
+        </p:nvSpPr>
+        <p:spPr/>
+        <p:txBody>
+          <a:bodyPr/>
+          <a:lstStyle/>
+          <a:p>
+            <a:r>
+              <a:rPr lang="en-US" dirty="0"/>
+              <a:t>Tech stack</a:t>
+            </a:r>
+            <a:endParaRPr lang="en-IN" dirty="0"/>
+          </a:p>
+        </p:txBody>
+      </p:sp>
+      <p:sp>
+        <p:nvSpPr>
+          <p:cNvPr id="3" name="Content Placeholder 2">
+            <a:extLst>
+              <a:ext uri="{FF2B5EF4-FFF2-40B4-BE49-F238E27FC236}">
+                <a16:creationId xmlns:a16="http://schemas.microsoft.com/office/drawing/2014/main" id="{27E7D342-AA97-BE59-95DF-C8D9B4964EE9}"/>
+              </a:ext>
+            </a:extLst>
+          </p:cNvPr>
+          <p:cNvSpPr>
+            <a:spLocks noGrp="1"/>
+          </p:cNvSpPr>
+          <p:nvPr>
+            <p:ph idx="1"/>
+          </p:nvPr>
+        </p:nvSpPr>
+        <p:spPr/>
+        <p:txBody>
+          <a:bodyPr>
+            <a:normAutofit/>
+          </a:bodyPr>
+          <a:lstStyle/>
+          <a:p>
+            <a:r>
+              <a:rPr lang="en-IN" sz="2000" dirty="0"/>
+              <a:t>Mistral-7B Instruct Model (Optimized with 4-bit Quantization)</a:t>
+            </a:r>
+          </a:p>
+          <a:p>
+            <a:pPr>
+              <a:lnSpc>
+                <a:spcPct val="104000"/>
+              </a:lnSpc>
+            </a:pPr>
+            <a:r>
+              <a:rPr lang="en-IN" dirty="0"/>
+              <a:t>Programming Language- </a:t>
+            </a:r>
+            <a:r>
+              <a:rPr lang="en-IN" b="1" dirty="0"/>
+              <a:t>Python 3.9+</a:t>
+            </a:r>
+            <a:endParaRPr lang="en-IN" sz="2000" b="1" dirty="0"/>
+          </a:p>
+          <a:p>
+            <a:r>
+              <a:rPr lang="en-IN" sz="2000" dirty="0"/>
+              <a:t>Python Libraries: </a:t>
+            </a:r>
+          </a:p>
+          <a:p>
+            <a:r>
+              <a:rPr lang="en-IN" sz="2000" dirty="0" err="1"/>
+              <a:t>PyTorch</a:t>
+            </a:r>
+            <a:endParaRPr lang="en-IN" sz="2000" dirty="0"/>
+          </a:p>
+          <a:p>
+            <a:r>
+              <a:rPr lang="en-IN" sz="2000" dirty="0"/>
+              <a:t>Transformers (Hugging Face)</a:t>
+            </a:r>
+          </a:p>
+          <a:p>
+            <a:r>
+              <a:rPr lang="en-IN" sz="2000" dirty="0"/>
+              <a:t>Document parsing libraries</a:t>
+            </a:r>
+          </a:p>
+          <a:p>
+            <a:r>
+              <a:rPr lang="en-US" dirty="0" err="1"/>
+              <a:t>BitsAndBytes</a:t>
+            </a:r>
+            <a:r>
+              <a:rPr lang="en-US" dirty="0"/>
+              <a:t> </a:t>
+            </a:r>
+            <a:endParaRPr lang="en-IN" sz="2000" dirty="0"/>
+          </a:p>
+          <a:p>
+            <a:pPr marL="0" indent="0">
+              <a:buNone/>
+            </a:pPr>
+            <a:endParaRPr lang="en-IN" dirty="0"/>
+          </a:p>
+        </p:txBody>
+      </p:sp>
+    </p:spTree>
+    <p:extLst>
+      <p:ext uri="{BB962C8B-B14F-4D97-AF65-F5344CB8AC3E}">
+        <p14:creationId xmlns:p14="http://schemas.microsoft.com/office/powerpoint/2010/main" val="3808818951"/>
+      </p:ext>
+    </p:extLst>
+  </p:cSld>
+  <p:clrMapOvr>
+    <a:masterClrMapping/>
+  </p:clrMapOvr>
+</p:sld>
+</file>
+
+<file path=ppt/slides/slide9.xml><?xml version="1.0" encoding="utf-8"?>
+<p:sld xmlns:a="http://schemas.openxmlformats.org/drawingml/2006/main" xmlns:r="http://schemas.openxmlformats.org/officeDocument/2006/relationships" xmlns:p="http://schemas.openxmlformats.org/presentationml/2006/main">
+  <p:cSld>
+    <p:spTree>
+      <p:nvGrpSpPr>
+        <p:cNvPr id="1" name=""/>
+        <p:cNvGrpSpPr/>
+        <p:nvPr/>
+      </p:nvGrpSpPr>
+      <p:grpSpPr>
+        <a:xfrm>
+          <a:off x="0" y="0"/>
+          <a:ext cx="0" cy="0"/>
+          <a:chOff x="0" y="0"/>
+          <a:chExt cx="0" cy="0"/>
+        </a:xfrm>
+      </p:grpSpPr>
+      <p:sp>
+        <p:nvSpPr>
           <p:cNvPr id="2" name="Rectangle 1">
             <a:extLst>
               <a:ext uri="{FF2B5EF4-FFF2-40B4-BE49-F238E27FC236}">
@@ -4667,8 +5248,8 @@
         </p:nvSpPr>
         <p:spPr>
           <a:xfrm>
-            <a:off x="4495659" y="2967335"/>
-            <a:ext cx="3200684" cy="923330"/>
+            <a:off x="3750906" y="2967335"/>
+            <a:ext cx="5579705" cy="1754326"/>
           </a:xfrm>
           <a:prstGeom prst="rect">
             <a:avLst/>
@@ -4676,7 +5257,7 @@
           <a:noFill/>
         </p:spPr>
         <p:txBody>
-          <a:bodyPr wrap="none" lIns="91440" tIns="45720" rIns="91440" bIns="45720">
+          <a:bodyPr wrap="square" lIns="91440" tIns="45720" rIns="91440" bIns="45720">
             <a:spAutoFit/>
           </a:bodyPr>
           <a:lstStyle/>
@@ -4698,6 +5279,116 @@
               </a:rPr>
               <a:t>Thank You</a:t>
             </a:r>
+          </a:p>
+          <a:p>
+            <a:pPr algn="ctr"/>
+            <a:endParaRPr lang="en-US" sz="5400" b="0" cap="none" spc="0" dirty="0">
+              <a:ln w="0"/>
+              <a:solidFill>
+                <a:schemeClr val="tx1"/>
+              </a:solidFill>
+              <a:effectLst>
+                <a:outerShdw blurRad="38100" dist="19050" dir="2700000" algn="tl" rotWithShape="0">
+                  <a:schemeClr val="dk1">
+                    <a:alpha val="40000"/>
+                  </a:schemeClr>
+                </a:outerShdw>
+              </a:effectLst>
+            </a:endParaRPr>
+          </a:p>
+        </p:txBody>
+      </p:sp>
+      <p:sp>
+        <p:nvSpPr>
+          <p:cNvPr id="3" name="TextBox 2">
+            <a:extLst>
+              <a:ext uri="{FF2B5EF4-FFF2-40B4-BE49-F238E27FC236}">
+                <a16:creationId xmlns:a16="http://schemas.microsoft.com/office/drawing/2014/main" id="{704AE718-DEFE-1871-38F3-D3C112C309D0}"/>
+              </a:ext>
+            </a:extLst>
+          </p:cNvPr>
+          <p:cNvSpPr txBox="1"/>
+          <p:nvPr/>
+        </p:nvSpPr>
+        <p:spPr>
+          <a:xfrm>
+            <a:off x="3984171" y="4021494"/>
+            <a:ext cx="7324531" cy="646331"/>
+          </a:xfrm>
+          <a:prstGeom prst="rect">
+            <a:avLst/>
+          </a:prstGeom>
+          <a:noFill/>
+        </p:spPr>
+        <p:txBody>
+          <a:bodyPr wrap="square" rtlCol="0">
+            <a:spAutoFit/>
+          </a:bodyPr>
+          <a:lstStyle/>
+          <a:p>
+            <a:r>
+              <a:rPr lang="en-US" b="1" i="0" dirty="0">
+                <a:solidFill>
+                  <a:srgbClr val="202124"/>
+                </a:solidFill>
+                <a:effectLst/>
+                <a:latin typeface="Google Sans"/>
+              </a:rPr>
+              <a:t>Q&amp;A: </a:t>
+            </a:r>
+            <a:r>
+              <a:rPr lang="en-US" b="0" i="0" dirty="0">
+                <a:solidFill>
+                  <a:srgbClr val="202124"/>
+                </a:solidFill>
+                <a:effectLst/>
+                <a:latin typeface="Google Sans"/>
+              </a:rPr>
+              <a:t>for more details or to explore the project,</a:t>
+            </a:r>
+          </a:p>
+          <a:p>
+            <a:r>
+              <a:rPr lang="en-US" b="1" dirty="0">
+                <a:solidFill>
+                  <a:srgbClr val="202124"/>
+                </a:solidFill>
+                <a:latin typeface="Google Sans"/>
+              </a:rPr>
+              <a:t>V</a:t>
+            </a:r>
+            <a:r>
+              <a:rPr lang="en-US" b="1" i="0" dirty="0">
+                <a:solidFill>
+                  <a:srgbClr val="202124"/>
+                </a:solidFill>
+                <a:effectLst/>
+                <a:latin typeface="Google Sans"/>
+              </a:rPr>
+              <a:t>isit: </a:t>
+            </a:r>
+            <a:r>
+              <a:rPr lang="en-US" b="0" i="0" dirty="0">
+                <a:solidFill>
+                  <a:srgbClr val="202124"/>
+                </a:solidFill>
+                <a:effectLst/>
+                <a:latin typeface="Google Sans"/>
+              </a:rPr>
+              <a:t>🔗 GitHub: </a:t>
+            </a:r>
+            <a:r>
+              <a:rPr lang="en-US" b="0" i="0" u="sng" dirty="0">
+                <a:solidFill>
+                  <a:srgbClr val="1967D2"/>
+                </a:solidFill>
+                <a:effectLst/>
+                <a:latin typeface="Google Sans"/>
+                <a:hlinkClick r:id="rId2"/>
+              </a:rPr>
+              <a:t>https://github.com/ewfx/gaied-ai-squad/tree/main</a:t>
+            </a:r>
+            <a:endParaRPr lang="en-IN" dirty="0"/>
           </a:p>
         </p:txBody>
       </p:sp>
